--- a/Pokemon SV Nuzlocke Tool.pptx
+++ b/Pokemon SV Nuzlocke Tool.pptx
@@ -7,6 +7,7 @@
   <p:sldIdLst>
     <p:sldId id="256" r:id="rId2"/>
     <p:sldId id="257" r:id="rId3"/>
+    <p:sldId id="258" r:id="rId4"/>
   </p:sldIdLst>
   <p:sldSz cx="12192000" cy="6858000"/>
   <p:notesSz cx="6858000" cy="9144000"/>
@@ -105,6 +106,11 @@
       </a:defRPr>
     </a:lvl9pPr>
   </p:defaultTextStyle>
+  <p:extLst>
+    <p:ext uri="{EFAFB233-063F-42B5-8137-9DF3F51BA10A}">
+      <p15:sldGuideLst xmlns:p15="http://schemas.microsoft.com/office/powerpoint/2012/main"/>
+    </p:ext>
+  </p:extLst>
 </p:presentation>
 </file>
 
@@ -255,7 +261,7 @@
           <a:p>
             <a:fld id="{C67D8265-AFDF-4E66-A73E-025118E1979D}" type="datetimeFigureOut">
               <a:rPr lang="en-US" smtClean="0"/>
-              <a:t>12/1/2022</a:t>
+              <a:t>12/2/2022</a:t>
             </a:fld>
             <a:endParaRPr lang="en-US"/>
           </a:p>
@@ -453,7 +459,7 @@
           <a:p>
             <a:fld id="{C67D8265-AFDF-4E66-A73E-025118E1979D}" type="datetimeFigureOut">
               <a:rPr lang="en-US" smtClean="0"/>
-              <a:t>12/1/2022</a:t>
+              <a:t>12/2/2022</a:t>
             </a:fld>
             <a:endParaRPr lang="en-US"/>
           </a:p>
@@ -661,7 +667,7 @@
           <a:p>
             <a:fld id="{C67D8265-AFDF-4E66-A73E-025118E1979D}" type="datetimeFigureOut">
               <a:rPr lang="en-US" smtClean="0"/>
-              <a:t>12/1/2022</a:t>
+              <a:t>12/2/2022</a:t>
             </a:fld>
             <a:endParaRPr lang="en-US"/>
           </a:p>
@@ -859,7 +865,7 @@
           <a:p>
             <a:fld id="{C67D8265-AFDF-4E66-A73E-025118E1979D}" type="datetimeFigureOut">
               <a:rPr lang="en-US" smtClean="0"/>
-              <a:t>12/1/2022</a:t>
+              <a:t>12/2/2022</a:t>
             </a:fld>
             <a:endParaRPr lang="en-US"/>
           </a:p>
@@ -1134,7 +1140,7 @@
           <a:p>
             <a:fld id="{C67D8265-AFDF-4E66-A73E-025118E1979D}" type="datetimeFigureOut">
               <a:rPr lang="en-US" smtClean="0"/>
-              <a:t>12/1/2022</a:t>
+              <a:t>12/2/2022</a:t>
             </a:fld>
             <a:endParaRPr lang="en-US"/>
           </a:p>
@@ -1399,7 +1405,7 @@
           <a:p>
             <a:fld id="{C67D8265-AFDF-4E66-A73E-025118E1979D}" type="datetimeFigureOut">
               <a:rPr lang="en-US" smtClean="0"/>
-              <a:t>12/1/2022</a:t>
+              <a:t>12/2/2022</a:t>
             </a:fld>
             <a:endParaRPr lang="en-US"/>
           </a:p>
@@ -1811,7 +1817,7 @@
           <a:p>
             <a:fld id="{C67D8265-AFDF-4E66-A73E-025118E1979D}" type="datetimeFigureOut">
               <a:rPr lang="en-US" smtClean="0"/>
-              <a:t>12/1/2022</a:t>
+              <a:t>12/2/2022</a:t>
             </a:fld>
             <a:endParaRPr lang="en-US"/>
           </a:p>
@@ -1952,7 +1958,7 @@
           <a:p>
             <a:fld id="{C67D8265-AFDF-4E66-A73E-025118E1979D}" type="datetimeFigureOut">
               <a:rPr lang="en-US" smtClean="0"/>
-              <a:t>12/1/2022</a:t>
+              <a:t>12/2/2022</a:t>
             </a:fld>
             <a:endParaRPr lang="en-US"/>
           </a:p>
@@ -2065,7 +2071,7 @@
           <a:p>
             <a:fld id="{C67D8265-AFDF-4E66-A73E-025118E1979D}" type="datetimeFigureOut">
               <a:rPr lang="en-US" smtClean="0"/>
-              <a:t>12/1/2022</a:t>
+              <a:t>12/2/2022</a:t>
             </a:fld>
             <a:endParaRPr lang="en-US"/>
           </a:p>
@@ -2376,7 +2382,7 @@
           <a:p>
             <a:fld id="{C67D8265-AFDF-4E66-A73E-025118E1979D}" type="datetimeFigureOut">
               <a:rPr lang="en-US" smtClean="0"/>
-              <a:t>12/1/2022</a:t>
+              <a:t>12/2/2022</a:t>
             </a:fld>
             <a:endParaRPr lang="en-US"/>
           </a:p>
@@ -2664,7 +2670,7 @@
           <a:p>
             <a:fld id="{C67D8265-AFDF-4E66-A73E-025118E1979D}" type="datetimeFigureOut">
               <a:rPr lang="en-US" smtClean="0"/>
-              <a:t>12/1/2022</a:t>
+              <a:t>12/2/2022</a:t>
             </a:fld>
             <a:endParaRPr lang="en-US"/>
           </a:p>
@@ -2905,7 +2911,7 @@
           <a:p>
             <a:fld id="{C67D8265-AFDF-4E66-A73E-025118E1979D}" type="datetimeFigureOut">
               <a:rPr lang="en-US" smtClean="0"/>
-              <a:t>12/1/2022</a:t>
+              <a:t>12/2/2022</a:t>
             </a:fld>
             <a:endParaRPr lang="en-US"/>
           </a:p>
@@ -4481,6 +4487,633 @@
 </p:sld>
 </file>
 
+<file path=ppt/slides/slide3.xml><?xml version="1.0" encoding="utf-8"?>
+<p:sld xmlns:a="http://schemas.openxmlformats.org/drawingml/2006/main" xmlns:r="http://schemas.openxmlformats.org/officeDocument/2006/relationships" xmlns:p="http://schemas.openxmlformats.org/presentationml/2006/main">
+  <p:cSld>
+    <p:spTree>
+      <p:nvGrpSpPr>
+        <p:cNvPr id="1" name=""/>
+        <p:cNvGrpSpPr/>
+        <p:nvPr/>
+      </p:nvGrpSpPr>
+      <p:grpSpPr>
+        <a:xfrm>
+          <a:off x="0" y="0"/>
+          <a:ext cx="0" cy="0"/>
+          <a:chOff x="0" y="0"/>
+          <a:chExt cx="0" cy="0"/>
+        </a:xfrm>
+      </p:grpSpPr>
+      <p:sp>
+        <p:nvSpPr>
+          <p:cNvPr id="3" name="Content Placeholder 2">
+            <a:extLst>
+              <a:ext uri="{FF2B5EF4-FFF2-40B4-BE49-F238E27FC236}">
+                <a16:creationId xmlns:a16="http://schemas.microsoft.com/office/drawing/2014/main" id="{76CFC5DD-E40D-E674-6103-B27D20702B51}"/>
+              </a:ext>
+            </a:extLst>
+          </p:cNvPr>
+          <p:cNvSpPr>
+            <a:spLocks noGrp="1"/>
+          </p:cNvSpPr>
+          <p:nvPr>
+            <p:ph idx="1"/>
+          </p:nvPr>
+        </p:nvSpPr>
+        <p:spPr/>
+        <p:txBody>
+          <a:bodyPr/>
+          <a:lstStyle/>
+          <a:p>
+            <a:endParaRPr lang="en-US"/>
+          </a:p>
+        </p:txBody>
+      </p:sp>
+      <p:pic>
+        <p:nvPicPr>
+          <p:cNvPr id="5" name="Picture 4">
+            <a:extLst>
+              <a:ext uri="{FF2B5EF4-FFF2-40B4-BE49-F238E27FC236}">
+                <a16:creationId xmlns:a16="http://schemas.microsoft.com/office/drawing/2014/main" id="{B4D09167-0580-B234-75DE-3D55A1AEF903}"/>
+              </a:ext>
+            </a:extLst>
+          </p:cNvPr>
+          <p:cNvPicPr>
+            <a:picLocks noChangeAspect="1"/>
+          </p:cNvPicPr>
+          <p:nvPr/>
+        </p:nvPicPr>
+        <p:blipFill rotWithShape="1">
+          <a:blip r:embed="rId2"/>
+          <a:srcRect t="3326"/>
+          <a:stretch/>
+        </p:blipFill>
+        <p:spPr>
+          <a:xfrm>
+            <a:off x="838200" y="984428"/>
+            <a:ext cx="10515600" cy="5784944"/>
+          </a:xfrm>
+          <a:prstGeom prst="rect">
+            <a:avLst/>
+          </a:prstGeom>
+        </p:spPr>
+      </p:pic>
+      <p:pic>
+        <p:nvPicPr>
+          <p:cNvPr id="6" name="Picture 5">
+            <a:extLst>
+              <a:ext uri="{FF2B5EF4-FFF2-40B4-BE49-F238E27FC236}">
+                <a16:creationId xmlns:a16="http://schemas.microsoft.com/office/drawing/2014/main" id="{6883BE05-C969-113F-B699-6B6FA3BDB5FB}"/>
+              </a:ext>
+            </a:extLst>
+          </p:cNvPr>
+          <p:cNvPicPr>
+            <a:picLocks noChangeAspect="1"/>
+          </p:cNvPicPr>
+          <p:nvPr/>
+        </p:nvPicPr>
+        <p:blipFill rotWithShape="1">
+          <a:blip r:embed="rId2"/>
+          <a:srcRect b="96378"/>
+          <a:stretch/>
+        </p:blipFill>
+        <p:spPr>
+          <a:xfrm>
+            <a:off x="838200" y="169194"/>
+            <a:ext cx="10515600" cy="216754"/>
+          </a:xfrm>
+          <a:prstGeom prst="rect">
+            <a:avLst/>
+          </a:prstGeom>
+        </p:spPr>
+      </p:pic>
+      <p:sp>
+        <p:nvSpPr>
+          <p:cNvPr id="8" name="Rectangle: Rounded Corners 7">
+            <a:extLst>
+              <a:ext uri="{FF2B5EF4-FFF2-40B4-BE49-F238E27FC236}">
+                <a16:creationId xmlns:a16="http://schemas.microsoft.com/office/drawing/2014/main" id="{63179AE4-C4B9-18DB-87F4-189F8DFE2EB4}"/>
+              </a:ext>
+            </a:extLst>
+          </p:cNvPr>
+          <p:cNvSpPr/>
+          <p:nvPr/>
+        </p:nvSpPr>
+        <p:spPr>
+          <a:xfrm>
+            <a:off x="1592238" y="392580"/>
+            <a:ext cx="1492155" cy="548850"/>
+          </a:xfrm>
+          <a:prstGeom prst="roundRect">
+            <a:avLst>
+              <a:gd name="adj" fmla="val 50000"/>
+            </a:avLst>
+          </a:prstGeom>
+          <a:solidFill>
+            <a:schemeClr val="bg1">
+              <a:lumMod val="65000"/>
+            </a:schemeClr>
+          </a:solidFill>
+          <a:ln>
+            <a:solidFill>
+              <a:schemeClr val="tx1"/>
+            </a:solidFill>
+          </a:ln>
+        </p:spPr>
+        <p:style>
+          <a:lnRef idx="2">
+            <a:schemeClr val="accent1">
+              <a:shade val="50000"/>
+            </a:schemeClr>
+          </a:lnRef>
+          <a:fillRef idx="1">
+            <a:schemeClr val="accent1"/>
+          </a:fillRef>
+          <a:effectRef idx="0">
+            <a:schemeClr val="accent1"/>
+          </a:effectRef>
+          <a:fontRef idx="minor">
+            <a:schemeClr val="lt1"/>
+          </a:fontRef>
+        </p:style>
+        <p:txBody>
+          <a:bodyPr rtlCol="0" anchor="ctr"/>
+          <a:lstStyle/>
+          <a:p>
+            <a:pPr algn="ctr"/>
+            <a:endParaRPr lang="en-US"/>
+          </a:p>
+        </p:txBody>
+      </p:sp>
+      <p:sp>
+        <p:nvSpPr>
+          <p:cNvPr id="9" name="Oval 8">
+            <a:extLst>
+              <a:ext uri="{FF2B5EF4-FFF2-40B4-BE49-F238E27FC236}">
+                <a16:creationId xmlns:a16="http://schemas.microsoft.com/office/drawing/2014/main" id="{1AAE8A0C-B6DB-C5FA-BCBB-58E989DEA8E6}"/>
+              </a:ext>
+            </a:extLst>
+          </p:cNvPr>
+          <p:cNvSpPr/>
+          <p:nvPr/>
+        </p:nvSpPr>
+        <p:spPr>
+          <a:xfrm>
+            <a:off x="1589395" y="392580"/>
+            <a:ext cx="568657" cy="548850"/>
+          </a:xfrm>
+          <a:prstGeom prst="ellipse">
+            <a:avLst/>
+          </a:prstGeom>
+          <a:solidFill>
+            <a:schemeClr val="bg1"/>
+          </a:solidFill>
+          <a:ln>
+            <a:solidFill>
+              <a:schemeClr val="tx1"/>
+            </a:solidFill>
+          </a:ln>
+        </p:spPr>
+        <p:style>
+          <a:lnRef idx="2">
+            <a:schemeClr val="accent1">
+              <a:shade val="50000"/>
+            </a:schemeClr>
+          </a:lnRef>
+          <a:fillRef idx="1">
+            <a:schemeClr val="accent1"/>
+          </a:fillRef>
+          <a:effectRef idx="0">
+            <a:schemeClr val="accent1"/>
+          </a:effectRef>
+          <a:fontRef idx="minor">
+            <a:schemeClr val="lt1"/>
+          </a:fontRef>
+        </p:style>
+        <p:txBody>
+          <a:bodyPr rtlCol="0" anchor="ctr"/>
+          <a:lstStyle/>
+          <a:p>
+            <a:pPr algn="ctr"/>
+            <a:endParaRPr lang="en-US"/>
+          </a:p>
+        </p:txBody>
+      </p:sp>
+      <p:sp>
+        <p:nvSpPr>
+          <p:cNvPr id="10" name="TextBox 9">
+            <a:extLst>
+              <a:ext uri="{FF2B5EF4-FFF2-40B4-BE49-F238E27FC236}">
+                <a16:creationId xmlns:a16="http://schemas.microsoft.com/office/drawing/2014/main" id="{6AE3F494-497C-A23A-2D7C-D0B9DC85ECC6}"/>
+              </a:ext>
+            </a:extLst>
+          </p:cNvPr>
+          <p:cNvSpPr txBox="1"/>
+          <p:nvPr/>
+        </p:nvSpPr>
+        <p:spPr>
+          <a:xfrm>
+            <a:off x="766548" y="480803"/>
+            <a:ext cx="825690" cy="369332"/>
+          </a:xfrm>
+          <a:prstGeom prst="rect">
+            <a:avLst/>
+          </a:prstGeom>
+          <a:noFill/>
+        </p:spPr>
+        <p:txBody>
+          <a:bodyPr wrap="square" rtlCol="0">
+            <a:spAutoFit/>
+          </a:bodyPr>
+          <a:lstStyle/>
+          <a:p>
+            <a:r>
+              <a:rPr lang="en-US" dirty="0">
+                <a:solidFill>
+                  <a:srgbClr val="FF0000"/>
+                </a:solidFill>
+              </a:rPr>
+              <a:t>Scarlet</a:t>
+            </a:r>
+          </a:p>
+        </p:txBody>
+      </p:sp>
+      <p:sp>
+        <p:nvSpPr>
+          <p:cNvPr id="11" name="TextBox 10">
+            <a:extLst>
+              <a:ext uri="{FF2B5EF4-FFF2-40B4-BE49-F238E27FC236}">
+                <a16:creationId xmlns:a16="http://schemas.microsoft.com/office/drawing/2014/main" id="{63C7274E-BDFA-502B-8381-8F3C5A2B7484}"/>
+              </a:ext>
+            </a:extLst>
+          </p:cNvPr>
+          <p:cNvSpPr txBox="1"/>
+          <p:nvPr/>
+        </p:nvSpPr>
+        <p:spPr>
+          <a:xfrm>
+            <a:off x="3084393" y="500522"/>
+            <a:ext cx="736980" cy="369332"/>
+          </a:xfrm>
+          <a:prstGeom prst="rect">
+            <a:avLst/>
+          </a:prstGeom>
+          <a:noFill/>
+        </p:spPr>
+        <p:txBody>
+          <a:bodyPr wrap="square" rtlCol="0">
+            <a:spAutoFit/>
+          </a:bodyPr>
+          <a:lstStyle/>
+          <a:p>
+            <a:r>
+              <a:rPr lang="en-US" dirty="0">
+                <a:solidFill>
+                  <a:srgbClr val="7030A0"/>
+                </a:solidFill>
+              </a:rPr>
+              <a:t>Violet</a:t>
+            </a:r>
+          </a:p>
+        </p:txBody>
+      </p:sp>
+      <p:sp>
+        <p:nvSpPr>
+          <p:cNvPr id="12" name="Rectangle 11">
+            <a:extLst>
+              <a:ext uri="{FF2B5EF4-FFF2-40B4-BE49-F238E27FC236}">
+                <a16:creationId xmlns:a16="http://schemas.microsoft.com/office/drawing/2014/main" id="{4430F41F-5F1D-37C2-184C-D224E4ABBAE2}"/>
+              </a:ext>
+            </a:extLst>
+          </p:cNvPr>
+          <p:cNvSpPr/>
+          <p:nvPr/>
+        </p:nvSpPr>
+        <p:spPr>
+          <a:xfrm>
+            <a:off x="4232226" y="520240"/>
+            <a:ext cx="1392072" cy="341181"/>
+          </a:xfrm>
+          <a:prstGeom prst="rect">
+            <a:avLst/>
+          </a:prstGeom>
+          <a:ln>
+            <a:solidFill>
+              <a:schemeClr val="tx1"/>
+            </a:solidFill>
+          </a:ln>
+        </p:spPr>
+        <p:style>
+          <a:lnRef idx="2">
+            <a:schemeClr val="accent6"/>
+          </a:lnRef>
+          <a:fillRef idx="1">
+            <a:schemeClr val="lt1"/>
+          </a:fillRef>
+          <a:effectRef idx="0">
+            <a:schemeClr val="accent6"/>
+          </a:effectRef>
+          <a:fontRef idx="minor">
+            <a:schemeClr val="dk1"/>
+          </a:fontRef>
+        </p:style>
+        <p:txBody>
+          <a:bodyPr rtlCol="0" anchor="ctr"/>
+          <a:lstStyle/>
+          <a:p>
+            <a:pPr algn="ctr"/>
+            <a:r>
+              <a:rPr lang="en-US" dirty="0"/>
+              <a:t>Save</a:t>
+            </a:r>
+          </a:p>
+        </p:txBody>
+      </p:sp>
+      <p:sp>
+        <p:nvSpPr>
+          <p:cNvPr id="13" name="Rectangle 12">
+            <a:extLst>
+              <a:ext uri="{FF2B5EF4-FFF2-40B4-BE49-F238E27FC236}">
+                <a16:creationId xmlns:a16="http://schemas.microsoft.com/office/drawing/2014/main" id="{B0357006-0BAB-E46E-56F0-19BBCE7A7B90}"/>
+              </a:ext>
+            </a:extLst>
+          </p:cNvPr>
+          <p:cNvSpPr/>
+          <p:nvPr/>
+        </p:nvSpPr>
+        <p:spPr>
+          <a:xfrm>
+            <a:off x="6035152" y="520241"/>
+            <a:ext cx="1392072" cy="341181"/>
+          </a:xfrm>
+          <a:prstGeom prst="rect">
+            <a:avLst/>
+          </a:prstGeom>
+          <a:solidFill>
+            <a:schemeClr val="bg1"/>
+          </a:solidFill>
+          <a:ln>
+            <a:solidFill>
+              <a:schemeClr val="tx1"/>
+            </a:solidFill>
+          </a:ln>
+        </p:spPr>
+        <p:style>
+          <a:lnRef idx="2">
+            <a:schemeClr val="accent6"/>
+          </a:lnRef>
+          <a:fillRef idx="1">
+            <a:schemeClr val="lt1"/>
+          </a:fillRef>
+          <a:effectRef idx="0">
+            <a:schemeClr val="accent6"/>
+          </a:effectRef>
+          <a:fontRef idx="minor">
+            <a:schemeClr val="dk1"/>
+          </a:fontRef>
+        </p:style>
+        <p:txBody>
+          <a:bodyPr rtlCol="0" anchor="ctr"/>
+          <a:lstStyle/>
+          <a:p>
+            <a:pPr algn="ctr"/>
+            <a:r>
+              <a:rPr lang="en-US" dirty="0"/>
+              <a:t>Load</a:t>
+            </a:r>
+          </a:p>
+        </p:txBody>
+      </p:sp>
+      <p:grpSp>
+        <p:nvGrpSpPr>
+          <p:cNvPr id="18" name="Group 17">
+            <a:extLst>
+              <a:ext uri="{FF2B5EF4-FFF2-40B4-BE49-F238E27FC236}">
+                <a16:creationId xmlns:a16="http://schemas.microsoft.com/office/drawing/2014/main" id="{97ACBC76-EA5F-A09C-8E29-DE22009D569A}"/>
+              </a:ext>
+            </a:extLst>
+          </p:cNvPr>
+          <p:cNvGrpSpPr/>
+          <p:nvPr/>
+        </p:nvGrpSpPr>
+        <p:grpSpPr>
+          <a:xfrm>
+            <a:off x="7993038" y="520241"/>
+            <a:ext cx="3098042" cy="389051"/>
+            <a:chOff x="5686567" y="500522"/>
+            <a:chExt cx="3098042" cy="389051"/>
+          </a:xfrm>
+        </p:grpSpPr>
+        <p:sp>
+          <p:nvSpPr>
+            <p:cNvPr id="14" name="Rectangle 13">
+              <a:extLst>
+                <a:ext uri="{FF2B5EF4-FFF2-40B4-BE49-F238E27FC236}">
+                  <a16:creationId xmlns:a16="http://schemas.microsoft.com/office/drawing/2014/main" id="{9E4BAF51-A56D-9232-E6C2-2EE41E8DD206}"/>
+                </a:ext>
+              </a:extLst>
+            </p:cNvPr>
+            <p:cNvSpPr/>
+            <p:nvPr/>
+          </p:nvSpPr>
+          <p:spPr>
+            <a:xfrm>
+              <a:off x="5686567" y="500522"/>
+              <a:ext cx="3098042" cy="369332"/>
+            </a:xfrm>
+            <a:prstGeom prst="rect">
+              <a:avLst/>
+            </a:prstGeom>
+            <a:ln>
+              <a:solidFill>
+                <a:schemeClr val="tx1"/>
+              </a:solidFill>
+            </a:ln>
+          </p:spPr>
+          <p:style>
+            <a:lnRef idx="2">
+              <a:schemeClr val="accent6"/>
+            </a:lnRef>
+            <a:fillRef idx="1">
+              <a:schemeClr val="lt1"/>
+            </a:fillRef>
+            <a:effectRef idx="0">
+              <a:schemeClr val="accent6"/>
+            </a:effectRef>
+            <a:fontRef idx="minor">
+              <a:schemeClr val="dk1"/>
+            </a:fontRef>
+          </p:style>
+          <p:txBody>
+            <a:bodyPr rtlCol="0" anchor="ctr"/>
+            <a:lstStyle/>
+            <a:p>
+              <a:r>
+                <a:rPr lang="en-US" dirty="0"/>
+                <a:t>Current Level Cap:</a:t>
+              </a:r>
+            </a:p>
+          </p:txBody>
+        </p:sp>
+        <p:sp>
+          <p:nvSpPr>
+            <p:cNvPr id="15" name="Rectangle 14">
+              <a:extLst>
+                <a:ext uri="{FF2B5EF4-FFF2-40B4-BE49-F238E27FC236}">
+                  <a16:creationId xmlns:a16="http://schemas.microsoft.com/office/drawing/2014/main" id="{3E8A21B1-4699-0B73-D358-531192E30F03}"/>
+                </a:ext>
+              </a:extLst>
+            </p:cNvPr>
+            <p:cNvSpPr/>
+            <p:nvPr/>
+          </p:nvSpPr>
+          <p:spPr>
+            <a:xfrm>
+              <a:off x="7579057" y="520241"/>
+              <a:ext cx="1096370" cy="329894"/>
+            </a:xfrm>
+            <a:prstGeom prst="rect">
+              <a:avLst/>
+            </a:prstGeom>
+            <a:solidFill>
+              <a:schemeClr val="bg1">
+                <a:lumMod val="65000"/>
+              </a:schemeClr>
+            </a:solidFill>
+            <a:ln>
+              <a:solidFill>
+                <a:schemeClr val="tx1"/>
+              </a:solidFill>
+            </a:ln>
+          </p:spPr>
+          <p:style>
+            <a:lnRef idx="2">
+              <a:schemeClr val="accent1">
+                <a:shade val="50000"/>
+              </a:schemeClr>
+            </a:lnRef>
+            <a:fillRef idx="1">
+              <a:schemeClr val="accent1"/>
+            </a:fillRef>
+            <a:effectRef idx="0">
+              <a:schemeClr val="accent1"/>
+            </a:effectRef>
+            <a:fontRef idx="minor">
+              <a:schemeClr val="lt1"/>
+            </a:fontRef>
+          </p:style>
+          <p:txBody>
+            <a:bodyPr rtlCol="0" anchor="ctr"/>
+            <a:lstStyle/>
+            <a:p>
+              <a:pPr algn="ctr"/>
+              <a:endParaRPr lang="en-US"/>
+            </a:p>
+          </p:txBody>
+        </p:sp>
+        <p:sp>
+          <p:nvSpPr>
+            <p:cNvPr id="16" name="Isosceles Triangle 15">
+              <a:extLst>
+                <a:ext uri="{FF2B5EF4-FFF2-40B4-BE49-F238E27FC236}">
+                  <a16:creationId xmlns:a16="http://schemas.microsoft.com/office/drawing/2014/main" id="{13532A94-8BD5-2EFD-AD32-726E817B617C}"/>
+                </a:ext>
+              </a:extLst>
+            </p:cNvPr>
+            <p:cNvSpPr/>
+            <p:nvPr/>
+          </p:nvSpPr>
+          <p:spPr>
+            <a:xfrm rot="10800000">
+              <a:off x="8420669" y="621167"/>
+              <a:ext cx="181970" cy="188600"/>
+            </a:xfrm>
+            <a:prstGeom prst="triangle">
+              <a:avLst/>
+            </a:prstGeom>
+            <a:solidFill>
+              <a:schemeClr val="tx1"/>
+            </a:solidFill>
+            <a:ln>
+              <a:solidFill>
+                <a:schemeClr val="tx1"/>
+              </a:solidFill>
+            </a:ln>
+          </p:spPr>
+          <p:style>
+            <a:lnRef idx="2">
+              <a:schemeClr val="accent1">
+                <a:shade val="50000"/>
+              </a:schemeClr>
+            </a:lnRef>
+            <a:fillRef idx="1">
+              <a:schemeClr val="accent1"/>
+            </a:fillRef>
+            <a:effectRef idx="0">
+              <a:schemeClr val="accent1"/>
+            </a:effectRef>
+            <a:fontRef idx="minor">
+              <a:schemeClr val="lt1"/>
+            </a:fontRef>
+          </p:style>
+          <p:txBody>
+            <a:bodyPr rtlCol="0" anchor="ctr"/>
+            <a:lstStyle/>
+            <a:p>
+              <a:pPr algn="ctr"/>
+              <a:endParaRPr lang="en-US"/>
+            </a:p>
+          </p:txBody>
+        </p:sp>
+        <p:sp>
+          <p:nvSpPr>
+            <p:cNvPr id="17" name="TextBox 16">
+              <a:extLst>
+                <a:ext uri="{FF2B5EF4-FFF2-40B4-BE49-F238E27FC236}">
+                  <a16:creationId xmlns:a16="http://schemas.microsoft.com/office/drawing/2014/main" id="{82315786-BD3B-1AAC-487F-4A46503127A2}"/>
+                </a:ext>
+              </a:extLst>
+            </p:cNvPr>
+            <p:cNvSpPr txBox="1"/>
+            <p:nvPr/>
+          </p:nvSpPr>
+          <p:spPr>
+            <a:xfrm>
+              <a:off x="7697337" y="520241"/>
+              <a:ext cx="736980" cy="369332"/>
+            </a:xfrm>
+            <a:prstGeom prst="rect">
+              <a:avLst/>
+            </a:prstGeom>
+            <a:noFill/>
+          </p:spPr>
+          <p:txBody>
+            <a:bodyPr wrap="square" rtlCol="0">
+              <a:spAutoFit/>
+            </a:bodyPr>
+            <a:lstStyle/>
+            <a:p>
+              <a:r>
+                <a:rPr lang="en-US" dirty="0"/>
+                <a:t>Lv. 15</a:t>
+              </a:r>
+            </a:p>
+          </p:txBody>
+        </p:sp>
+      </p:grpSp>
+    </p:spTree>
+    <p:extLst>
+      <p:ext uri="{BB962C8B-B14F-4D97-AF65-F5344CB8AC3E}">
+        <p14:creationId xmlns:p14="http://schemas.microsoft.com/office/powerpoint/2010/main" val="4052642932"/>
+      </p:ext>
+    </p:extLst>
+  </p:cSld>
+  <p:clrMapOvr>
+    <a:masterClrMapping/>
+  </p:clrMapOvr>
+</p:sld>
+</file>
+
 <file path=ppt/theme/theme1.xml><?xml version="1.0" encoding="utf-8"?>
 <a:theme xmlns:a="http://schemas.openxmlformats.org/drawingml/2006/main" name="Office Theme">
   <a:themeElements>

--- a/Pokemon SV Nuzlocke Tool.pptx
+++ b/Pokemon SV Nuzlocke Tool.pptx
@@ -261,7 +261,7 @@
           <a:p>
             <a:fld id="{C67D8265-AFDF-4E66-A73E-025118E1979D}" type="datetimeFigureOut">
               <a:rPr lang="en-US" smtClean="0"/>
-              <a:t>12/2/2022</a:t>
+              <a:t>12/17/2022</a:t>
             </a:fld>
             <a:endParaRPr lang="en-US"/>
           </a:p>
@@ -459,7 +459,7 @@
           <a:p>
             <a:fld id="{C67D8265-AFDF-4E66-A73E-025118E1979D}" type="datetimeFigureOut">
               <a:rPr lang="en-US" smtClean="0"/>
-              <a:t>12/2/2022</a:t>
+              <a:t>12/17/2022</a:t>
             </a:fld>
             <a:endParaRPr lang="en-US"/>
           </a:p>
@@ -667,7 +667,7 @@
           <a:p>
             <a:fld id="{C67D8265-AFDF-4E66-A73E-025118E1979D}" type="datetimeFigureOut">
               <a:rPr lang="en-US" smtClean="0"/>
-              <a:t>12/2/2022</a:t>
+              <a:t>12/17/2022</a:t>
             </a:fld>
             <a:endParaRPr lang="en-US"/>
           </a:p>
@@ -865,7 +865,7 @@
           <a:p>
             <a:fld id="{C67D8265-AFDF-4E66-A73E-025118E1979D}" type="datetimeFigureOut">
               <a:rPr lang="en-US" smtClean="0"/>
-              <a:t>12/2/2022</a:t>
+              <a:t>12/17/2022</a:t>
             </a:fld>
             <a:endParaRPr lang="en-US"/>
           </a:p>
@@ -1140,7 +1140,7 @@
           <a:p>
             <a:fld id="{C67D8265-AFDF-4E66-A73E-025118E1979D}" type="datetimeFigureOut">
               <a:rPr lang="en-US" smtClean="0"/>
-              <a:t>12/2/2022</a:t>
+              <a:t>12/17/2022</a:t>
             </a:fld>
             <a:endParaRPr lang="en-US"/>
           </a:p>
@@ -1405,7 +1405,7 @@
           <a:p>
             <a:fld id="{C67D8265-AFDF-4E66-A73E-025118E1979D}" type="datetimeFigureOut">
               <a:rPr lang="en-US" smtClean="0"/>
-              <a:t>12/2/2022</a:t>
+              <a:t>12/17/2022</a:t>
             </a:fld>
             <a:endParaRPr lang="en-US"/>
           </a:p>
@@ -1817,7 +1817,7 @@
           <a:p>
             <a:fld id="{C67D8265-AFDF-4E66-A73E-025118E1979D}" type="datetimeFigureOut">
               <a:rPr lang="en-US" smtClean="0"/>
-              <a:t>12/2/2022</a:t>
+              <a:t>12/17/2022</a:t>
             </a:fld>
             <a:endParaRPr lang="en-US"/>
           </a:p>
@@ -1958,7 +1958,7 @@
           <a:p>
             <a:fld id="{C67D8265-AFDF-4E66-A73E-025118E1979D}" type="datetimeFigureOut">
               <a:rPr lang="en-US" smtClean="0"/>
-              <a:t>12/2/2022</a:t>
+              <a:t>12/17/2022</a:t>
             </a:fld>
             <a:endParaRPr lang="en-US"/>
           </a:p>
@@ -2071,7 +2071,7 @@
           <a:p>
             <a:fld id="{C67D8265-AFDF-4E66-A73E-025118E1979D}" type="datetimeFigureOut">
               <a:rPr lang="en-US" smtClean="0"/>
-              <a:t>12/2/2022</a:t>
+              <a:t>12/17/2022</a:t>
             </a:fld>
             <a:endParaRPr lang="en-US"/>
           </a:p>
@@ -2382,7 +2382,7 @@
           <a:p>
             <a:fld id="{C67D8265-AFDF-4E66-A73E-025118E1979D}" type="datetimeFigureOut">
               <a:rPr lang="en-US" smtClean="0"/>
-              <a:t>12/2/2022</a:t>
+              <a:t>12/17/2022</a:t>
             </a:fld>
             <a:endParaRPr lang="en-US"/>
           </a:p>
@@ -2670,7 +2670,7 @@
           <a:p>
             <a:fld id="{C67D8265-AFDF-4E66-A73E-025118E1979D}" type="datetimeFigureOut">
               <a:rPr lang="en-US" smtClean="0"/>
-              <a:t>12/2/2022</a:t>
+              <a:t>12/17/2022</a:t>
             </a:fld>
             <a:endParaRPr lang="en-US"/>
           </a:p>
@@ -2911,7 +2911,7 @@
           <a:p>
             <a:fld id="{C67D8265-AFDF-4E66-A73E-025118E1979D}" type="datetimeFigureOut">
               <a:rPr lang="en-US" smtClean="0"/>
-              <a:t>12/2/2022</a:t>
+              <a:t>12/17/2022</a:t>
             </a:fld>
             <a:endParaRPr lang="en-US"/>
           </a:p>
@@ -4504,31 +4504,6 @@
           <a:chExt cx="0" cy="0"/>
         </a:xfrm>
       </p:grpSpPr>
-      <p:sp>
-        <p:nvSpPr>
-          <p:cNvPr id="3" name="Content Placeholder 2">
-            <a:extLst>
-              <a:ext uri="{FF2B5EF4-FFF2-40B4-BE49-F238E27FC236}">
-                <a16:creationId xmlns:a16="http://schemas.microsoft.com/office/drawing/2014/main" id="{76CFC5DD-E40D-E674-6103-B27D20702B51}"/>
-              </a:ext>
-            </a:extLst>
-          </p:cNvPr>
-          <p:cNvSpPr>
-            <a:spLocks noGrp="1"/>
-          </p:cNvSpPr>
-          <p:nvPr>
-            <p:ph idx="1"/>
-          </p:nvPr>
-        </p:nvSpPr>
-        <p:spPr/>
-        <p:txBody>
-          <a:bodyPr/>
-          <a:lstStyle/>
-          <a:p>
-            <a:endParaRPr lang="en-US"/>
-          </a:p>
-        </p:txBody>
-      </p:sp>
       <p:pic>
         <p:nvPicPr>
           <p:cNvPr id="5" name="Picture 4">
@@ -4545,13 +4520,13 @@
         </p:nvPicPr>
         <p:blipFill rotWithShape="1">
           <a:blip r:embed="rId2"/>
-          <a:srcRect t="3326"/>
+          <a:srcRect t="3326" r="52270"/>
           <a:stretch/>
         </p:blipFill>
         <p:spPr>
           <a:xfrm>
-            <a:off x="838200" y="984428"/>
-            <a:ext cx="10515600" cy="5784944"/>
+            <a:off x="2372263" y="941430"/>
+            <a:ext cx="7338589" cy="5784944"/>
           </a:xfrm>
           <a:prstGeom prst="rect">
             <a:avLst/>
@@ -4579,8 +4554,8 @@
         </p:blipFill>
         <p:spPr>
           <a:xfrm>
-            <a:off x="838200" y="169194"/>
-            <a:ext cx="10515600" cy="216754"/>
+            <a:off x="2532242" y="169194"/>
+            <a:ext cx="7606672" cy="216754"/>
           </a:xfrm>
           <a:prstGeom prst="rect">
             <a:avLst/>
@@ -4601,8 +4576,8 @@
         </p:nvSpPr>
         <p:spPr>
           <a:xfrm>
-            <a:off x="1592238" y="392580"/>
-            <a:ext cx="1492155" cy="548850"/>
+            <a:off x="3357932" y="364428"/>
+            <a:ext cx="1027425" cy="548850"/>
           </a:xfrm>
           <a:prstGeom prst="roundRect">
             <a:avLst>
@@ -4659,7 +4634,7 @@
         </p:nvSpPr>
         <p:spPr>
           <a:xfrm>
-            <a:off x="1589395" y="392580"/>
+            <a:off x="3355089" y="364428"/>
             <a:ext cx="568657" cy="548850"/>
           </a:xfrm>
           <a:prstGeom prst="ellipse">
@@ -4713,7 +4688,7 @@
         </p:nvSpPr>
         <p:spPr>
           <a:xfrm>
-            <a:off x="766548" y="480803"/>
+            <a:off x="2532242" y="452651"/>
             <a:ext cx="825690" cy="369332"/>
           </a:xfrm>
           <a:prstGeom prst="rect">
@@ -4752,7 +4727,7 @@
         </p:nvSpPr>
         <p:spPr>
           <a:xfrm>
-            <a:off x="3084393" y="500522"/>
+            <a:off x="4357680" y="471195"/>
             <a:ext cx="736980" cy="369332"/>
           </a:xfrm>
           <a:prstGeom prst="rect">
@@ -4791,7 +4766,7 @@
         </p:nvSpPr>
         <p:spPr>
           <a:xfrm>
-            <a:off x="4232226" y="520240"/>
+            <a:off x="5033749" y="299704"/>
             <a:ext cx="1392072" cy="341181"/>
           </a:xfrm>
           <a:prstGeom prst="rect">
@@ -4843,7 +4818,7 @@
         </p:nvSpPr>
         <p:spPr>
           <a:xfrm>
-            <a:off x="6035152" y="520241"/>
+            <a:off x="5033749" y="669037"/>
             <a:ext cx="1392072" cy="341181"/>
           </a:xfrm>
           <a:prstGeom prst="rect">
@@ -4898,7 +4873,7 @@
         </p:nvGrpSpPr>
         <p:grpSpPr>
           <a:xfrm>
-            <a:off x="7993038" y="520241"/>
+            <a:off x="6612811" y="450576"/>
             <a:ext cx="3098042" cy="389051"/>
             <a:chOff x="5686567" y="500522"/>
             <a:chExt cx="3098042" cy="389051"/>
@@ -5101,6 +5076,118 @@
           </p:txBody>
         </p:sp>
       </p:grpSp>
+      <p:sp>
+        <p:nvSpPr>
+          <p:cNvPr id="2" name="Rectangle 1">
+            <a:extLst>
+              <a:ext uri="{FF2B5EF4-FFF2-40B4-BE49-F238E27FC236}">
+                <a16:creationId xmlns:a16="http://schemas.microsoft.com/office/drawing/2014/main" id="{DDB4F72D-9234-3C8A-F779-76F7B2C22BBA}"/>
+              </a:ext>
+            </a:extLst>
+          </p:cNvPr>
+          <p:cNvSpPr/>
+          <p:nvPr/>
+        </p:nvSpPr>
+        <p:spPr>
+          <a:xfrm>
+            <a:off x="9819736" y="1010218"/>
+            <a:ext cx="319178" cy="5593251"/>
+          </a:xfrm>
+          <a:prstGeom prst="rect">
+            <a:avLst/>
+          </a:prstGeom>
+          <a:solidFill>
+            <a:schemeClr val="bg1">
+              <a:lumMod val="65000"/>
+            </a:schemeClr>
+          </a:solidFill>
+          <a:ln>
+            <a:noFill/>
+          </a:ln>
+        </p:spPr>
+        <p:style>
+          <a:lnRef idx="2">
+            <a:schemeClr val="accent1">
+              <a:shade val="50000"/>
+            </a:schemeClr>
+          </a:lnRef>
+          <a:fillRef idx="1">
+            <a:schemeClr val="accent1"/>
+          </a:fillRef>
+          <a:effectRef idx="0">
+            <a:schemeClr val="accent1"/>
+          </a:effectRef>
+          <a:fontRef idx="minor">
+            <a:schemeClr val="lt1"/>
+          </a:fontRef>
+        </p:style>
+        <p:txBody>
+          <a:bodyPr rtlCol="0" anchor="ctr"/>
+          <a:lstStyle/>
+          <a:p>
+            <a:pPr algn="ctr"/>
+            <a:endParaRPr lang="en-US"/>
+          </a:p>
+        </p:txBody>
+      </p:sp>
+      <p:sp>
+        <p:nvSpPr>
+          <p:cNvPr id="4" name="Rectangle 3">
+            <a:extLst>
+              <a:ext uri="{FF2B5EF4-FFF2-40B4-BE49-F238E27FC236}">
+                <a16:creationId xmlns:a16="http://schemas.microsoft.com/office/drawing/2014/main" id="{5E26346A-1753-6BD9-37C7-713B46F74F6B}"/>
+              </a:ext>
+            </a:extLst>
+          </p:cNvPr>
+          <p:cNvSpPr/>
+          <p:nvPr/>
+        </p:nvSpPr>
+        <p:spPr>
+          <a:xfrm>
+            <a:off x="9858555" y="1010218"/>
+            <a:ext cx="241540" cy="2941607"/>
+          </a:xfrm>
+          <a:prstGeom prst="rect">
+            <a:avLst/>
+          </a:prstGeom>
+          <a:solidFill>
+            <a:schemeClr val="bg1">
+              <a:lumMod val="95000"/>
+            </a:schemeClr>
+          </a:solidFill>
+          <a:ln>
+            <a:solidFill>
+              <a:schemeClr val="bg1">
+                <a:lumMod val="85000"/>
+              </a:schemeClr>
+            </a:solidFill>
+          </a:ln>
+        </p:spPr>
+        <p:style>
+          <a:lnRef idx="2">
+            <a:schemeClr val="accent1">
+              <a:shade val="50000"/>
+            </a:schemeClr>
+          </a:lnRef>
+          <a:fillRef idx="1">
+            <a:schemeClr val="accent1"/>
+          </a:fillRef>
+          <a:effectRef idx="0">
+            <a:schemeClr val="accent1"/>
+          </a:effectRef>
+          <a:fontRef idx="minor">
+            <a:schemeClr val="lt1"/>
+          </a:fontRef>
+        </p:style>
+        <p:txBody>
+          <a:bodyPr rtlCol="0" anchor="ctr"/>
+          <a:lstStyle/>
+          <a:p>
+            <a:pPr algn="ctr"/>
+            <a:endParaRPr lang="en-US"/>
+          </a:p>
+        </p:txBody>
+      </p:sp>
     </p:spTree>
     <p:extLst>
       <p:ext uri="{BB962C8B-B14F-4D97-AF65-F5344CB8AC3E}">
